--- a/deliverables/documents/Working with Pastors data.pptx
+++ b/deliverables/documents/Working with Pastors data.pptx
@@ -107,6 +107,11 @@
       </a:defRPr>
     </a:lvl9pPr>
   </p:defaultTextStyle>
+  <p:extLst>
+    <p:ext uri="{EFAFB233-063F-42B5-8137-9DF3F51BA10A}">
+      <p15:sldGuideLst xmlns:p15="http://schemas.microsoft.com/office/powerpoint/2012/main"/>
+    </p:ext>
+  </p:extLst>
 </p:presentation>
 </file>
 
@@ -241,7 +246,7 @@
           <a:p>
             <a:fld id="{23F990E6-E2F1-40C4-9B5D-7AF050A5EAE4}" type="datetimeFigureOut">
               <a:rPr lang="en-US" smtClean="0"/>
-              <a:t>11/6/2025</a:t>
+              <a:t>11/7/2025</a:t>
             </a:fld>
             <a:endParaRPr lang="en-US"/>
           </a:p>
@@ -411,7 +416,7 @@
           <a:p>
             <a:fld id="{23F990E6-E2F1-40C4-9B5D-7AF050A5EAE4}" type="datetimeFigureOut">
               <a:rPr lang="en-US" smtClean="0"/>
-              <a:t>11/6/2025</a:t>
+              <a:t>11/7/2025</a:t>
             </a:fld>
             <a:endParaRPr lang="en-US"/>
           </a:p>
@@ -591,7 +596,7 @@
           <a:p>
             <a:fld id="{23F990E6-E2F1-40C4-9B5D-7AF050A5EAE4}" type="datetimeFigureOut">
               <a:rPr lang="en-US" smtClean="0"/>
-              <a:t>11/6/2025</a:t>
+              <a:t>11/7/2025</a:t>
             </a:fld>
             <a:endParaRPr lang="en-US"/>
           </a:p>
@@ -761,7 +766,7 @@
           <a:p>
             <a:fld id="{23F990E6-E2F1-40C4-9B5D-7AF050A5EAE4}" type="datetimeFigureOut">
               <a:rPr lang="en-US" smtClean="0"/>
-              <a:t>11/6/2025</a:t>
+              <a:t>11/7/2025</a:t>
             </a:fld>
             <a:endParaRPr lang="en-US"/>
           </a:p>
@@ -1007,7 +1012,7 @@
           <a:p>
             <a:fld id="{23F990E6-E2F1-40C4-9B5D-7AF050A5EAE4}" type="datetimeFigureOut">
               <a:rPr lang="en-US" smtClean="0"/>
-              <a:t>11/6/2025</a:t>
+              <a:t>11/7/2025</a:t>
             </a:fld>
             <a:endParaRPr lang="en-US"/>
           </a:p>
@@ -1239,7 +1244,7 @@
           <a:p>
             <a:fld id="{23F990E6-E2F1-40C4-9B5D-7AF050A5EAE4}" type="datetimeFigureOut">
               <a:rPr lang="en-US" smtClean="0"/>
-              <a:t>11/6/2025</a:t>
+              <a:t>11/7/2025</a:t>
             </a:fld>
             <a:endParaRPr lang="en-US"/>
           </a:p>
@@ -1606,7 +1611,7 @@
           <a:p>
             <a:fld id="{23F990E6-E2F1-40C4-9B5D-7AF050A5EAE4}" type="datetimeFigureOut">
               <a:rPr lang="en-US" smtClean="0"/>
-              <a:t>11/6/2025</a:t>
+              <a:t>11/7/2025</a:t>
             </a:fld>
             <a:endParaRPr lang="en-US"/>
           </a:p>
@@ -1724,7 +1729,7 @@
           <a:p>
             <a:fld id="{23F990E6-E2F1-40C4-9B5D-7AF050A5EAE4}" type="datetimeFigureOut">
               <a:rPr lang="en-US" smtClean="0"/>
-              <a:t>11/6/2025</a:t>
+              <a:t>11/7/2025</a:t>
             </a:fld>
             <a:endParaRPr lang="en-US"/>
           </a:p>
@@ -1819,7 +1824,7 @@
           <a:p>
             <a:fld id="{23F990E6-E2F1-40C4-9B5D-7AF050A5EAE4}" type="datetimeFigureOut">
               <a:rPr lang="en-US" smtClean="0"/>
-              <a:t>11/6/2025</a:t>
+              <a:t>11/7/2025</a:t>
             </a:fld>
             <a:endParaRPr lang="en-US"/>
           </a:p>
@@ -2096,7 +2101,7 @@
           <a:p>
             <a:fld id="{23F990E6-E2F1-40C4-9B5D-7AF050A5EAE4}" type="datetimeFigureOut">
               <a:rPr lang="en-US" smtClean="0"/>
-              <a:t>11/6/2025</a:t>
+              <a:t>11/7/2025</a:t>
             </a:fld>
             <a:endParaRPr lang="en-US"/>
           </a:p>
@@ -2349,7 +2354,7 @@
           <a:p>
             <a:fld id="{23F990E6-E2F1-40C4-9B5D-7AF050A5EAE4}" type="datetimeFigureOut">
               <a:rPr lang="en-US" smtClean="0"/>
-              <a:t>11/6/2025</a:t>
+              <a:t>11/7/2025</a:t>
             </a:fld>
             <a:endParaRPr lang="en-US"/>
           </a:p>
@@ -2562,7 +2567,7 @@
           <a:p>
             <a:fld id="{23F990E6-E2F1-40C4-9B5D-7AF050A5EAE4}" type="datetimeFigureOut">
               <a:rPr lang="en-US" smtClean="0"/>
-              <a:t>11/6/2025</a:t>
+              <a:t>11/7/2025</a:t>
             </a:fld>
             <a:endParaRPr lang="en-US"/>
           </a:p>
@@ -3823,8 +3828,39 @@
             </a:pPr>
             <a:r>
               <a:rPr lang="en-US" dirty="0" smtClean="0"/>
-              <a:t>Clear rules</a:t>
-            </a:r>
+              <a:t>Clear </a:t>
+            </a:r>
+            <a:r>
+              <a:rPr lang="en-US" dirty="0" smtClean="0"/>
+              <a:t>rules: one way to write Evangelist</a:t>
+            </a:r>
+          </a:p>
+          <a:p>
+            <a:pPr marL="342900" indent="-342900" algn="l">
+              <a:buFont typeface="Arial" panose="020B0604020202020204" pitchFamily="34" charset="0"/>
+              <a:buChar char="•"/>
+            </a:pPr>
+            <a:r>
+              <a:rPr lang="en-US" dirty="0" smtClean="0"/>
+              <a:t>Check of Data</a:t>
+            </a:r>
+          </a:p>
+          <a:p>
+            <a:pPr marL="342900" indent="-342900" algn="l">
+              <a:buFont typeface="Arial" panose="020B0604020202020204" pitchFamily="34" charset="0"/>
+              <a:buChar char="•"/>
+            </a:pPr>
+            <a:endParaRPr lang="en-US" dirty="0"/>
+          </a:p>
+          <a:p>
+            <a:pPr algn="l"/>
+            <a:r>
+              <a:rPr lang="en-US" dirty="0" smtClean="0"/>
+              <a:t>Responsibility for Data</a:t>
+            </a:r>
+          </a:p>
+          <a:p>
+            <a:pPr algn="l"/>
             <a:endParaRPr lang="en-US" dirty="0"/>
           </a:p>
         </p:txBody>
@@ -4688,35 +4724,51 @@
             <p:ph type="ctrTitle"/>
           </p:nvPr>
         </p:nvSpPr>
-        <p:spPr/>
+        <p:spPr>
+          <a:xfrm>
+            <a:off x="1524000" y="1122363"/>
+            <a:ext cx="9144000" cy="847839"/>
+          </a:xfrm>
+        </p:spPr>
+        <p:txBody>
+          <a:bodyPr>
+            <a:normAutofit fontScale="90000"/>
+          </a:bodyPr>
+          <a:lstStyle/>
+          <a:p>
+            <a:r>
+              <a:rPr lang="en-US" dirty="0" smtClean="0"/>
+              <a:t>What we want to have in future</a:t>
+            </a:r>
+            <a:endParaRPr lang="en-US" dirty="0"/>
+          </a:p>
+        </p:txBody>
+      </p:sp>
+      <p:sp>
+        <p:nvSpPr>
+          <p:cNvPr id="3" name="Subtitle 2"/>
+          <p:cNvSpPr>
+            <a:spLocks noGrp="1"/>
+          </p:cNvSpPr>
+          <p:nvPr>
+            <p:ph type="subTitle" idx="1"/>
+          </p:nvPr>
+        </p:nvSpPr>
+        <p:spPr>
+          <a:xfrm>
+            <a:off x="8792066" y="3630318"/>
+            <a:ext cx="2416404" cy="1655762"/>
+          </a:xfrm>
+        </p:spPr>
         <p:txBody>
           <a:bodyPr/>
           <a:lstStyle/>
           <a:p>
             <a:r>
               <a:rPr lang="en-US" dirty="0" smtClean="0"/>
-              <a:t>Steps to go forward</a:t>
+              <a:t>Information for Development of those Reports&gt; What is needed?</a:t>
             </a:r>
             <a:endParaRPr lang="en-US" dirty="0"/>
-          </a:p>
-        </p:txBody>
-      </p:sp>
-      <p:sp>
-        <p:nvSpPr>
-          <p:cNvPr id="3" name="Subtitle 2"/>
-          <p:cNvSpPr>
-            <a:spLocks noGrp="1"/>
-          </p:cNvSpPr>
-          <p:nvPr>
-            <p:ph type="subTitle" idx="1"/>
-          </p:nvPr>
-        </p:nvSpPr>
-        <p:spPr/>
-        <p:txBody>
-          <a:bodyPr/>
-          <a:lstStyle/>
-          <a:p>
-            <a:endParaRPr lang="en-US"/>
           </a:p>
         </p:txBody>
       </p:sp>
@@ -4789,6 +4841,224 @@
           </a:prstGeom>
         </p:spPr>
       </p:pic>
+      <p:pic>
+        <p:nvPicPr>
+          <p:cNvPr id="5" name="Picture 4"/>
+          <p:cNvPicPr>
+            <a:picLocks noChangeAspect="1"/>
+          </p:cNvPicPr>
+          <p:nvPr/>
+        </p:nvPicPr>
+        <p:blipFill>
+          <a:blip r:embed="rId3"/>
+          <a:stretch>
+            <a:fillRect/>
+          </a:stretch>
+        </p:blipFill>
+        <p:spPr>
+          <a:xfrm>
+            <a:off x="3486016" y="1859499"/>
+            <a:ext cx="5219968" cy="3930852"/>
+          </a:xfrm>
+          <a:prstGeom prst="rect">
+            <a:avLst/>
+          </a:prstGeom>
+        </p:spPr>
+      </p:pic>
+      <p:sp>
+        <p:nvSpPr>
+          <p:cNvPr id="8" name="Subtitle 2"/>
+          <p:cNvSpPr txBox="1">
+            <a:spLocks/>
+          </p:cNvSpPr>
+          <p:nvPr/>
+        </p:nvSpPr>
+        <p:spPr>
+          <a:xfrm>
+            <a:off x="1676400" y="3754438"/>
+            <a:ext cx="2416404" cy="1655762"/>
+          </a:xfrm>
+          <a:prstGeom prst="rect">
+            <a:avLst/>
+          </a:prstGeom>
+        </p:spPr>
+        <p:txBody>
+          <a:bodyPr vert="horz" lIns="91440" tIns="45720" rIns="91440" bIns="45720" rtlCol="0">
+            <a:normAutofit/>
+          </a:bodyPr>
+          <a:lstStyle>
+            <a:lvl1pPr marL="0" indent="0" algn="ctr" defTabSz="914400" rtl="0" eaLnBrk="1" latinLnBrk="0" hangingPunct="1">
+              <a:lnSpc>
+                <a:spcPct val="90000"/>
+              </a:lnSpc>
+              <a:spcBef>
+                <a:spcPts val="1000"/>
+              </a:spcBef>
+              <a:buFont typeface="Arial" panose="020B0604020202020204" pitchFamily="34" charset="0"/>
+              <a:buNone/>
+              <a:defRPr sz="2400" kern="1200">
+                <a:solidFill>
+                  <a:schemeClr val="tx1"/>
+                </a:solidFill>
+                <a:latin typeface="+mn-lt"/>
+                <a:ea typeface="+mn-ea"/>
+                <a:cs typeface="+mn-cs"/>
+              </a:defRPr>
+            </a:lvl1pPr>
+            <a:lvl2pPr marL="457200" indent="0" algn="ctr" defTabSz="914400" rtl="0" eaLnBrk="1" latinLnBrk="0" hangingPunct="1">
+              <a:lnSpc>
+                <a:spcPct val="90000"/>
+              </a:lnSpc>
+              <a:spcBef>
+                <a:spcPts val="500"/>
+              </a:spcBef>
+              <a:buFont typeface="Arial" panose="020B0604020202020204" pitchFamily="34" charset="0"/>
+              <a:buNone/>
+              <a:defRPr sz="2000" kern="1200">
+                <a:solidFill>
+                  <a:schemeClr val="tx1"/>
+                </a:solidFill>
+                <a:latin typeface="+mn-lt"/>
+                <a:ea typeface="+mn-ea"/>
+                <a:cs typeface="+mn-cs"/>
+              </a:defRPr>
+            </a:lvl2pPr>
+            <a:lvl3pPr marL="914400" indent="0" algn="ctr" defTabSz="914400" rtl="0" eaLnBrk="1" latinLnBrk="0" hangingPunct="1">
+              <a:lnSpc>
+                <a:spcPct val="90000"/>
+              </a:lnSpc>
+              <a:spcBef>
+                <a:spcPts val="500"/>
+              </a:spcBef>
+              <a:buFont typeface="Arial" panose="020B0604020202020204" pitchFamily="34" charset="0"/>
+              <a:buNone/>
+              <a:defRPr sz="1800" kern="1200">
+                <a:solidFill>
+                  <a:schemeClr val="tx1"/>
+                </a:solidFill>
+                <a:latin typeface="+mn-lt"/>
+                <a:ea typeface="+mn-ea"/>
+                <a:cs typeface="+mn-cs"/>
+              </a:defRPr>
+            </a:lvl3pPr>
+            <a:lvl4pPr marL="1371600" indent="0" algn="ctr" defTabSz="914400" rtl="0" eaLnBrk="1" latinLnBrk="0" hangingPunct="1">
+              <a:lnSpc>
+                <a:spcPct val="90000"/>
+              </a:lnSpc>
+              <a:spcBef>
+                <a:spcPts val="500"/>
+              </a:spcBef>
+              <a:buFont typeface="Arial" panose="020B0604020202020204" pitchFamily="34" charset="0"/>
+              <a:buNone/>
+              <a:defRPr sz="1600" kern="1200">
+                <a:solidFill>
+                  <a:schemeClr val="tx1"/>
+                </a:solidFill>
+                <a:latin typeface="+mn-lt"/>
+                <a:ea typeface="+mn-ea"/>
+                <a:cs typeface="+mn-cs"/>
+              </a:defRPr>
+            </a:lvl4pPr>
+            <a:lvl5pPr marL="1828800" indent="0" algn="ctr" defTabSz="914400" rtl="0" eaLnBrk="1" latinLnBrk="0" hangingPunct="1">
+              <a:lnSpc>
+                <a:spcPct val="90000"/>
+              </a:lnSpc>
+              <a:spcBef>
+                <a:spcPts val="500"/>
+              </a:spcBef>
+              <a:buFont typeface="Arial" panose="020B0604020202020204" pitchFamily="34" charset="0"/>
+              <a:buNone/>
+              <a:defRPr sz="1600" kern="1200">
+                <a:solidFill>
+                  <a:schemeClr val="tx1"/>
+                </a:solidFill>
+                <a:latin typeface="+mn-lt"/>
+                <a:ea typeface="+mn-ea"/>
+                <a:cs typeface="+mn-cs"/>
+              </a:defRPr>
+            </a:lvl5pPr>
+            <a:lvl6pPr marL="2286000" indent="0" algn="ctr" defTabSz="914400" rtl="0" eaLnBrk="1" latinLnBrk="0" hangingPunct="1">
+              <a:lnSpc>
+                <a:spcPct val="90000"/>
+              </a:lnSpc>
+              <a:spcBef>
+                <a:spcPts val="500"/>
+              </a:spcBef>
+              <a:buFont typeface="Arial" panose="020B0604020202020204" pitchFamily="34" charset="0"/>
+              <a:buNone/>
+              <a:defRPr sz="1600" kern="1200">
+                <a:solidFill>
+                  <a:schemeClr val="tx1"/>
+                </a:solidFill>
+                <a:latin typeface="+mn-lt"/>
+                <a:ea typeface="+mn-ea"/>
+                <a:cs typeface="+mn-cs"/>
+              </a:defRPr>
+            </a:lvl6pPr>
+            <a:lvl7pPr marL="2743200" indent="0" algn="ctr" defTabSz="914400" rtl="0" eaLnBrk="1" latinLnBrk="0" hangingPunct="1">
+              <a:lnSpc>
+                <a:spcPct val="90000"/>
+              </a:lnSpc>
+              <a:spcBef>
+                <a:spcPts val="500"/>
+              </a:spcBef>
+              <a:buFont typeface="Arial" panose="020B0604020202020204" pitchFamily="34" charset="0"/>
+              <a:buNone/>
+              <a:defRPr sz="1600" kern="1200">
+                <a:solidFill>
+                  <a:schemeClr val="tx1"/>
+                </a:solidFill>
+                <a:latin typeface="+mn-lt"/>
+                <a:ea typeface="+mn-ea"/>
+                <a:cs typeface="+mn-cs"/>
+              </a:defRPr>
+            </a:lvl7pPr>
+            <a:lvl8pPr marL="3200400" indent="0" algn="ctr" defTabSz="914400" rtl="0" eaLnBrk="1" latinLnBrk="0" hangingPunct="1">
+              <a:lnSpc>
+                <a:spcPct val="90000"/>
+              </a:lnSpc>
+              <a:spcBef>
+                <a:spcPts val="500"/>
+              </a:spcBef>
+              <a:buFont typeface="Arial" panose="020B0604020202020204" pitchFamily="34" charset="0"/>
+              <a:buNone/>
+              <a:defRPr sz="1600" kern="1200">
+                <a:solidFill>
+                  <a:schemeClr val="tx1"/>
+                </a:solidFill>
+                <a:latin typeface="+mn-lt"/>
+                <a:ea typeface="+mn-ea"/>
+                <a:cs typeface="+mn-cs"/>
+              </a:defRPr>
+            </a:lvl8pPr>
+            <a:lvl9pPr marL="3657600" indent="0" algn="ctr" defTabSz="914400" rtl="0" eaLnBrk="1" latinLnBrk="0" hangingPunct="1">
+              <a:lnSpc>
+                <a:spcPct val="90000"/>
+              </a:lnSpc>
+              <a:spcBef>
+                <a:spcPts val="500"/>
+              </a:spcBef>
+              <a:buFont typeface="Arial" panose="020B0604020202020204" pitchFamily="34" charset="0"/>
+              <a:buNone/>
+              <a:defRPr sz="1600" kern="1200">
+                <a:solidFill>
+                  <a:schemeClr val="tx1"/>
+                </a:solidFill>
+                <a:latin typeface="+mn-lt"/>
+                <a:ea typeface="+mn-ea"/>
+                <a:cs typeface="+mn-cs"/>
+              </a:defRPr>
+            </a:lvl9pPr>
+          </a:lstStyle>
+          <a:p>
+            <a:r>
+              <a:rPr lang="en-US" smtClean="0"/>
+              <a:t>Predefined Reports for people who need it for their work</a:t>
+            </a:r>
+            <a:endParaRPr lang="en-US" dirty="0"/>
+          </a:p>
+        </p:txBody>
+      </p:sp>
     </p:spTree>
     <p:extLst>
       <p:ext uri="{BB962C8B-B14F-4D97-AF65-F5344CB8AC3E}">

--- a/deliverables/documents/Working with Pastors data.pptx
+++ b/deliverables/documents/Working with Pastors data.pptx
@@ -246,7 +246,7 @@
           <a:p>
             <a:fld id="{23F990E6-E2F1-40C4-9B5D-7AF050A5EAE4}" type="datetimeFigureOut">
               <a:rPr lang="en-US" smtClean="0"/>
-              <a:t>11/7/2025</a:t>
+              <a:t>11/10/2025</a:t>
             </a:fld>
             <a:endParaRPr lang="en-US"/>
           </a:p>
@@ -416,7 +416,7 @@
           <a:p>
             <a:fld id="{23F990E6-E2F1-40C4-9B5D-7AF050A5EAE4}" type="datetimeFigureOut">
               <a:rPr lang="en-US" smtClean="0"/>
-              <a:t>11/7/2025</a:t>
+              <a:t>11/10/2025</a:t>
             </a:fld>
             <a:endParaRPr lang="en-US"/>
           </a:p>
@@ -596,7 +596,7 @@
           <a:p>
             <a:fld id="{23F990E6-E2F1-40C4-9B5D-7AF050A5EAE4}" type="datetimeFigureOut">
               <a:rPr lang="en-US" smtClean="0"/>
-              <a:t>11/7/2025</a:t>
+              <a:t>11/10/2025</a:t>
             </a:fld>
             <a:endParaRPr lang="en-US"/>
           </a:p>
@@ -766,7 +766,7 @@
           <a:p>
             <a:fld id="{23F990E6-E2F1-40C4-9B5D-7AF050A5EAE4}" type="datetimeFigureOut">
               <a:rPr lang="en-US" smtClean="0"/>
-              <a:t>11/7/2025</a:t>
+              <a:t>11/10/2025</a:t>
             </a:fld>
             <a:endParaRPr lang="en-US"/>
           </a:p>
@@ -1012,7 +1012,7 @@
           <a:p>
             <a:fld id="{23F990E6-E2F1-40C4-9B5D-7AF050A5EAE4}" type="datetimeFigureOut">
               <a:rPr lang="en-US" smtClean="0"/>
-              <a:t>11/7/2025</a:t>
+              <a:t>11/10/2025</a:t>
             </a:fld>
             <a:endParaRPr lang="en-US"/>
           </a:p>
@@ -1244,7 +1244,7 @@
           <a:p>
             <a:fld id="{23F990E6-E2F1-40C4-9B5D-7AF050A5EAE4}" type="datetimeFigureOut">
               <a:rPr lang="en-US" smtClean="0"/>
-              <a:t>11/7/2025</a:t>
+              <a:t>11/10/2025</a:t>
             </a:fld>
             <a:endParaRPr lang="en-US"/>
           </a:p>
@@ -1611,7 +1611,7 @@
           <a:p>
             <a:fld id="{23F990E6-E2F1-40C4-9B5D-7AF050A5EAE4}" type="datetimeFigureOut">
               <a:rPr lang="en-US" smtClean="0"/>
-              <a:t>11/7/2025</a:t>
+              <a:t>11/10/2025</a:t>
             </a:fld>
             <a:endParaRPr lang="en-US"/>
           </a:p>
@@ -1729,7 +1729,7 @@
           <a:p>
             <a:fld id="{23F990E6-E2F1-40C4-9B5D-7AF050A5EAE4}" type="datetimeFigureOut">
               <a:rPr lang="en-US" smtClean="0"/>
-              <a:t>11/7/2025</a:t>
+              <a:t>11/10/2025</a:t>
             </a:fld>
             <a:endParaRPr lang="en-US"/>
           </a:p>
@@ -1824,7 +1824,7 @@
           <a:p>
             <a:fld id="{23F990E6-E2F1-40C4-9B5D-7AF050A5EAE4}" type="datetimeFigureOut">
               <a:rPr lang="en-US" smtClean="0"/>
-              <a:t>11/7/2025</a:t>
+              <a:t>11/10/2025</a:t>
             </a:fld>
             <a:endParaRPr lang="en-US"/>
           </a:p>
@@ -2101,7 +2101,7 @@
           <a:p>
             <a:fld id="{23F990E6-E2F1-40C4-9B5D-7AF050A5EAE4}" type="datetimeFigureOut">
               <a:rPr lang="en-US" smtClean="0"/>
-              <a:t>11/7/2025</a:t>
+              <a:t>11/10/2025</a:t>
             </a:fld>
             <a:endParaRPr lang="en-US"/>
           </a:p>
@@ -2354,7 +2354,7 @@
           <a:p>
             <a:fld id="{23F990E6-E2F1-40C4-9B5D-7AF050A5EAE4}" type="datetimeFigureOut">
               <a:rPr lang="en-US" smtClean="0"/>
-              <a:t>11/7/2025</a:t>
+              <a:t>11/10/2025</a:t>
             </a:fld>
             <a:endParaRPr lang="en-US"/>
           </a:p>
@@ -2567,7 +2567,7 @@
           <a:p>
             <a:fld id="{23F990E6-E2F1-40C4-9B5D-7AF050A5EAE4}" type="datetimeFigureOut">
               <a:rPr lang="en-US" smtClean="0"/>
-              <a:t>11/7/2025</a:t>
+              <a:t>11/10/2025</a:t>
             </a:fld>
             <a:endParaRPr lang="en-US"/>
           </a:p>
@@ -3828,11 +3828,7 @@
             </a:pPr>
             <a:r>
               <a:rPr lang="en-US" dirty="0" smtClean="0"/>
-              <a:t>Clear </a:t>
-            </a:r>
-            <a:r>
-              <a:rPr lang="en-US" dirty="0" smtClean="0"/>
-              <a:t>rules: one way to write Evangelist</a:t>
+              <a:t>Clear rules: one way to write Evangelist</a:t>
             </a:r>
           </a:p>
           <a:p>
@@ -3853,11 +3849,29 @@
             <a:endParaRPr lang="en-US" dirty="0"/>
           </a:p>
           <a:p>
-            <a:pPr algn="l"/>
-            <a:r>
-              <a:rPr lang="en-US" dirty="0" smtClean="0"/>
-              <a:t>Responsibility for Data</a:t>
-            </a:r>
+            <a:pPr marL="342900" indent="-342900" algn="l">
+              <a:buFont typeface="Wingdings" panose="05000000000000000000" pitchFamily="2" charset="2"/>
+              <a:buChar char="Ø"/>
+            </a:pPr>
+            <a:r>
+              <a:rPr lang="en-US" sz="3600" dirty="0" smtClean="0"/>
+              <a:t>Responsibility for </a:t>
+            </a:r>
+            <a:r>
+              <a:rPr lang="en-US" sz="3600" dirty="0" smtClean="0"/>
+              <a:t>Data</a:t>
+            </a:r>
+          </a:p>
+          <a:p>
+            <a:pPr marL="342900" indent="-342900" algn="l">
+              <a:buFont typeface="Wingdings" panose="05000000000000000000" pitchFamily="2" charset="2"/>
+              <a:buChar char="Ø"/>
+            </a:pPr>
+            <a:r>
+              <a:rPr lang="en-US" sz="3600" dirty="0" smtClean="0"/>
+              <a:t>Responsibility for Reports and Queries</a:t>
+            </a:r>
+            <a:endParaRPr lang="en-US" sz="3600" dirty="0" smtClean="0"/>
           </a:p>
           <a:p>
             <a:pPr algn="l"/>
@@ -4756,12 +4770,14 @@
         </p:nvSpPr>
         <p:spPr>
           <a:xfrm>
-            <a:off x="8792066" y="3630318"/>
-            <a:ext cx="2416404" cy="1655762"/>
+            <a:off x="9219414" y="3630318"/>
+            <a:ext cx="1989056" cy="1655762"/>
           </a:xfrm>
         </p:spPr>
         <p:txBody>
-          <a:bodyPr/>
+          <a:bodyPr>
+            <a:normAutofit fontScale="92500"/>
+          </a:bodyPr>
           <a:lstStyle/>
           <a:p>
             <a:r>
@@ -4841,9 +4857,203 @@
           </a:prstGeom>
         </p:spPr>
       </p:pic>
+      <p:sp>
+        <p:nvSpPr>
+          <p:cNvPr id="8" name="Subtitle 2"/>
+          <p:cNvSpPr txBox="1">
+            <a:spLocks/>
+          </p:cNvSpPr>
+          <p:nvPr/>
+        </p:nvSpPr>
+        <p:spPr>
+          <a:xfrm>
+            <a:off x="725864" y="3754438"/>
+            <a:ext cx="2488676" cy="1655762"/>
+          </a:xfrm>
+          <a:prstGeom prst="rect">
+            <a:avLst/>
+          </a:prstGeom>
+        </p:spPr>
+        <p:txBody>
+          <a:bodyPr vert="horz" lIns="91440" tIns="45720" rIns="91440" bIns="45720" rtlCol="0">
+            <a:normAutofit/>
+          </a:bodyPr>
+          <a:lstStyle>
+            <a:lvl1pPr marL="0" indent="0" algn="ctr" defTabSz="914400" rtl="0" eaLnBrk="1" latinLnBrk="0" hangingPunct="1">
+              <a:lnSpc>
+                <a:spcPct val="90000"/>
+              </a:lnSpc>
+              <a:spcBef>
+                <a:spcPts val="1000"/>
+              </a:spcBef>
+              <a:buFont typeface="Arial" panose="020B0604020202020204" pitchFamily="34" charset="0"/>
+              <a:buNone/>
+              <a:defRPr sz="2400" kern="1200">
+                <a:solidFill>
+                  <a:schemeClr val="tx1"/>
+                </a:solidFill>
+                <a:latin typeface="+mn-lt"/>
+                <a:ea typeface="+mn-ea"/>
+                <a:cs typeface="+mn-cs"/>
+              </a:defRPr>
+            </a:lvl1pPr>
+            <a:lvl2pPr marL="457200" indent="0" algn="ctr" defTabSz="914400" rtl="0" eaLnBrk="1" latinLnBrk="0" hangingPunct="1">
+              <a:lnSpc>
+                <a:spcPct val="90000"/>
+              </a:lnSpc>
+              <a:spcBef>
+                <a:spcPts val="500"/>
+              </a:spcBef>
+              <a:buFont typeface="Arial" panose="020B0604020202020204" pitchFamily="34" charset="0"/>
+              <a:buNone/>
+              <a:defRPr sz="2000" kern="1200">
+                <a:solidFill>
+                  <a:schemeClr val="tx1"/>
+                </a:solidFill>
+                <a:latin typeface="+mn-lt"/>
+                <a:ea typeface="+mn-ea"/>
+                <a:cs typeface="+mn-cs"/>
+              </a:defRPr>
+            </a:lvl2pPr>
+            <a:lvl3pPr marL="914400" indent="0" algn="ctr" defTabSz="914400" rtl="0" eaLnBrk="1" latinLnBrk="0" hangingPunct="1">
+              <a:lnSpc>
+                <a:spcPct val="90000"/>
+              </a:lnSpc>
+              <a:spcBef>
+                <a:spcPts val="500"/>
+              </a:spcBef>
+              <a:buFont typeface="Arial" panose="020B0604020202020204" pitchFamily="34" charset="0"/>
+              <a:buNone/>
+              <a:defRPr sz="1800" kern="1200">
+                <a:solidFill>
+                  <a:schemeClr val="tx1"/>
+                </a:solidFill>
+                <a:latin typeface="+mn-lt"/>
+                <a:ea typeface="+mn-ea"/>
+                <a:cs typeface="+mn-cs"/>
+              </a:defRPr>
+            </a:lvl3pPr>
+            <a:lvl4pPr marL="1371600" indent="0" algn="ctr" defTabSz="914400" rtl="0" eaLnBrk="1" latinLnBrk="0" hangingPunct="1">
+              <a:lnSpc>
+                <a:spcPct val="90000"/>
+              </a:lnSpc>
+              <a:spcBef>
+                <a:spcPts val="500"/>
+              </a:spcBef>
+              <a:buFont typeface="Arial" panose="020B0604020202020204" pitchFamily="34" charset="0"/>
+              <a:buNone/>
+              <a:defRPr sz="1600" kern="1200">
+                <a:solidFill>
+                  <a:schemeClr val="tx1"/>
+                </a:solidFill>
+                <a:latin typeface="+mn-lt"/>
+                <a:ea typeface="+mn-ea"/>
+                <a:cs typeface="+mn-cs"/>
+              </a:defRPr>
+            </a:lvl4pPr>
+            <a:lvl5pPr marL="1828800" indent="0" algn="ctr" defTabSz="914400" rtl="0" eaLnBrk="1" latinLnBrk="0" hangingPunct="1">
+              <a:lnSpc>
+                <a:spcPct val="90000"/>
+              </a:lnSpc>
+              <a:spcBef>
+                <a:spcPts val="500"/>
+              </a:spcBef>
+              <a:buFont typeface="Arial" panose="020B0604020202020204" pitchFamily="34" charset="0"/>
+              <a:buNone/>
+              <a:defRPr sz="1600" kern="1200">
+                <a:solidFill>
+                  <a:schemeClr val="tx1"/>
+                </a:solidFill>
+                <a:latin typeface="+mn-lt"/>
+                <a:ea typeface="+mn-ea"/>
+                <a:cs typeface="+mn-cs"/>
+              </a:defRPr>
+            </a:lvl5pPr>
+            <a:lvl6pPr marL="2286000" indent="0" algn="ctr" defTabSz="914400" rtl="0" eaLnBrk="1" latinLnBrk="0" hangingPunct="1">
+              <a:lnSpc>
+                <a:spcPct val="90000"/>
+              </a:lnSpc>
+              <a:spcBef>
+                <a:spcPts val="500"/>
+              </a:spcBef>
+              <a:buFont typeface="Arial" panose="020B0604020202020204" pitchFamily="34" charset="0"/>
+              <a:buNone/>
+              <a:defRPr sz="1600" kern="1200">
+                <a:solidFill>
+                  <a:schemeClr val="tx1"/>
+                </a:solidFill>
+                <a:latin typeface="+mn-lt"/>
+                <a:ea typeface="+mn-ea"/>
+                <a:cs typeface="+mn-cs"/>
+              </a:defRPr>
+            </a:lvl6pPr>
+            <a:lvl7pPr marL="2743200" indent="0" algn="ctr" defTabSz="914400" rtl="0" eaLnBrk="1" latinLnBrk="0" hangingPunct="1">
+              <a:lnSpc>
+                <a:spcPct val="90000"/>
+              </a:lnSpc>
+              <a:spcBef>
+                <a:spcPts val="500"/>
+              </a:spcBef>
+              <a:buFont typeface="Arial" panose="020B0604020202020204" pitchFamily="34" charset="0"/>
+              <a:buNone/>
+              <a:defRPr sz="1600" kern="1200">
+                <a:solidFill>
+                  <a:schemeClr val="tx1"/>
+                </a:solidFill>
+                <a:latin typeface="+mn-lt"/>
+                <a:ea typeface="+mn-ea"/>
+                <a:cs typeface="+mn-cs"/>
+              </a:defRPr>
+            </a:lvl7pPr>
+            <a:lvl8pPr marL="3200400" indent="0" algn="ctr" defTabSz="914400" rtl="0" eaLnBrk="1" latinLnBrk="0" hangingPunct="1">
+              <a:lnSpc>
+                <a:spcPct val="90000"/>
+              </a:lnSpc>
+              <a:spcBef>
+                <a:spcPts val="500"/>
+              </a:spcBef>
+              <a:buFont typeface="Arial" panose="020B0604020202020204" pitchFamily="34" charset="0"/>
+              <a:buNone/>
+              <a:defRPr sz="1600" kern="1200">
+                <a:solidFill>
+                  <a:schemeClr val="tx1"/>
+                </a:solidFill>
+                <a:latin typeface="+mn-lt"/>
+                <a:ea typeface="+mn-ea"/>
+                <a:cs typeface="+mn-cs"/>
+              </a:defRPr>
+            </a:lvl8pPr>
+            <a:lvl9pPr marL="3657600" indent="0" algn="ctr" defTabSz="914400" rtl="0" eaLnBrk="1" latinLnBrk="0" hangingPunct="1">
+              <a:lnSpc>
+                <a:spcPct val="90000"/>
+              </a:lnSpc>
+              <a:spcBef>
+                <a:spcPts val="500"/>
+              </a:spcBef>
+              <a:buFont typeface="Arial" panose="020B0604020202020204" pitchFamily="34" charset="0"/>
+              <a:buNone/>
+              <a:defRPr sz="1600" kern="1200">
+                <a:solidFill>
+                  <a:schemeClr val="tx1"/>
+                </a:solidFill>
+                <a:latin typeface="+mn-lt"/>
+                <a:ea typeface="+mn-ea"/>
+                <a:cs typeface="+mn-cs"/>
+              </a:defRPr>
+            </a:lvl9pPr>
+          </a:lstStyle>
+          <a:p>
+            <a:r>
+              <a:rPr lang="en-US" dirty="0" smtClean="0"/>
+              <a:t>Predefined Reports for people who need it for their work</a:t>
+            </a:r>
+            <a:endParaRPr lang="en-US" dirty="0"/>
+          </a:p>
+        </p:txBody>
+      </p:sp>
       <p:pic>
         <p:nvPicPr>
-          <p:cNvPr id="5" name="Picture 4"/>
+          <p:cNvPr id="7" name="Picture 6"/>
           <p:cNvPicPr>
             <a:picLocks noChangeAspect="1"/>
           </p:cNvPicPr>
@@ -4857,208 +5067,14 @@
         </p:blipFill>
         <p:spPr>
           <a:xfrm>
-            <a:off x="3486016" y="1859499"/>
-            <a:ext cx="5219968" cy="3930852"/>
+            <a:off x="3600333" y="2676880"/>
+            <a:ext cx="5425151" cy="2609200"/>
           </a:xfrm>
           <a:prstGeom prst="rect">
             <a:avLst/>
           </a:prstGeom>
         </p:spPr>
       </p:pic>
-      <p:sp>
-        <p:nvSpPr>
-          <p:cNvPr id="8" name="Subtitle 2"/>
-          <p:cNvSpPr txBox="1">
-            <a:spLocks/>
-          </p:cNvSpPr>
-          <p:nvPr/>
-        </p:nvSpPr>
-        <p:spPr>
-          <a:xfrm>
-            <a:off x="1676400" y="3754438"/>
-            <a:ext cx="2416404" cy="1655762"/>
-          </a:xfrm>
-          <a:prstGeom prst="rect">
-            <a:avLst/>
-          </a:prstGeom>
-        </p:spPr>
-        <p:txBody>
-          <a:bodyPr vert="horz" lIns="91440" tIns="45720" rIns="91440" bIns="45720" rtlCol="0">
-            <a:normAutofit/>
-          </a:bodyPr>
-          <a:lstStyle>
-            <a:lvl1pPr marL="0" indent="0" algn="ctr" defTabSz="914400" rtl="0" eaLnBrk="1" latinLnBrk="0" hangingPunct="1">
-              <a:lnSpc>
-                <a:spcPct val="90000"/>
-              </a:lnSpc>
-              <a:spcBef>
-                <a:spcPts val="1000"/>
-              </a:spcBef>
-              <a:buFont typeface="Arial" panose="020B0604020202020204" pitchFamily="34" charset="0"/>
-              <a:buNone/>
-              <a:defRPr sz="2400" kern="1200">
-                <a:solidFill>
-                  <a:schemeClr val="tx1"/>
-                </a:solidFill>
-                <a:latin typeface="+mn-lt"/>
-                <a:ea typeface="+mn-ea"/>
-                <a:cs typeface="+mn-cs"/>
-              </a:defRPr>
-            </a:lvl1pPr>
-            <a:lvl2pPr marL="457200" indent="0" algn="ctr" defTabSz="914400" rtl="0" eaLnBrk="1" latinLnBrk="0" hangingPunct="1">
-              <a:lnSpc>
-                <a:spcPct val="90000"/>
-              </a:lnSpc>
-              <a:spcBef>
-                <a:spcPts val="500"/>
-              </a:spcBef>
-              <a:buFont typeface="Arial" panose="020B0604020202020204" pitchFamily="34" charset="0"/>
-              <a:buNone/>
-              <a:defRPr sz="2000" kern="1200">
-                <a:solidFill>
-                  <a:schemeClr val="tx1"/>
-                </a:solidFill>
-                <a:latin typeface="+mn-lt"/>
-                <a:ea typeface="+mn-ea"/>
-                <a:cs typeface="+mn-cs"/>
-              </a:defRPr>
-            </a:lvl2pPr>
-            <a:lvl3pPr marL="914400" indent="0" algn="ctr" defTabSz="914400" rtl="0" eaLnBrk="1" latinLnBrk="0" hangingPunct="1">
-              <a:lnSpc>
-                <a:spcPct val="90000"/>
-              </a:lnSpc>
-              <a:spcBef>
-                <a:spcPts val="500"/>
-              </a:spcBef>
-              <a:buFont typeface="Arial" panose="020B0604020202020204" pitchFamily="34" charset="0"/>
-              <a:buNone/>
-              <a:defRPr sz="1800" kern="1200">
-                <a:solidFill>
-                  <a:schemeClr val="tx1"/>
-                </a:solidFill>
-                <a:latin typeface="+mn-lt"/>
-                <a:ea typeface="+mn-ea"/>
-                <a:cs typeface="+mn-cs"/>
-              </a:defRPr>
-            </a:lvl3pPr>
-            <a:lvl4pPr marL="1371600" indent="0" algn="ctr" defTabSz="914400" rtl="0" eaLnBrk="1" latinLnBrk="0" hangingPunct="1">
-              <a:lnSpc>
-                <a:spcPct val="90000"/>
-              </a:lnSpc>
-              <a:spcBef>
-                <a:spcPts val="500"/>
-              </a:spcBef>
-              <a:buFont typeface="Arial" panose="020B0604020202020204" pitchFamily="34" charset="0"/>
-              <a:buNone/>
-              <a:defRPr sz="1600" kern="1200">
-                <a:solidFill>
-                  <a:schemeClr val="tx1"/>
-                </a:solidFill>
-                <a:latin typeface="+mn-lt"/>
-                <a:ea typeface="+mn-ea"/>
-                <a:cs typeface="+mn-cs"/>
-              </a:defRPr>
-            </a:lvl4pPr>
-            <a:lvl5pPr marL="1828800" indent="0" algn="ctr" defTabSz="914400" rtl="0" eaLnBrk="1" latinLnBrk="0" hangingPunct="1">
-              <a:lnSpc>
-                <a:spcPct val="90000"/>
-              </a:lnSpc>
-              <a:spcBef>
-                <a:spcPts val="500"/>
-              </a:spcBef>
-              <a:buFont typeface="Arial" panose="020B0604020202020204" pitchFamily="34" charset="0"/>
-              <a:buNone/>
-              <a:defRPr sz="1600" kern="1200">
-                <a:solidFill>
-                  <a:schemeClr val="tx1"/>
-                </a:solidFill>
-                <a:latin typeface="+mn-lt"/>
-                <a:ea typeface="+mn-ea"/>
-                <a:cs typeface="+mn-cs"/>
-              </a:defRPr>
-            </a:lvl5pPr>
-            <a:lvl6pPr marL="2286000" indent="0" algn="ctr" defTabSz="914400" rtl="0" eaLnBrk="1" latinLnBrk="0" hangingPunct="1">
-              <a:lnSpc>
-                <a:spcPct val="90000"/>
-              </a:lnSpc>
-              <a:spcBef>
-                <a:spcPts val="500"/>
-              </a:spcBef>
-              <a:buFont typeface="Arial" panose="020B0604020202020204" pitchFamily="34" charset="0"/>
-              <a:buNone/>
-              <a:defRPr sz="1600" kern="1200">
-                <a:solidFill>
-                  <a:schemeClr val="tx1"/>
-                </a:solidFill>
-                <a:latin typeface="+mn-lt"/>
-                <a:ea typeface="+mn-ea"/>
-                <a:cs typeface="+mn-cs"/>
-              </a:defRPr>
-            </a:lvl6pPr>
-            <a:lvl7pPr marL="2743200" indent="0" algn="ctr" defTabSz="914400" rtl="0" eaLnBrk="1" latinLnBrk="0" hangingPunct="1">
-              <a:lnSpc>
-                <a:spcPct val="90000"/>
-              </a:lnSpc>
-              <a:spcBef>
-                <a:spcPts val="500"/>
-              </a:spcBef>
-              <a:buFont typeface="Arial" panose="020B0604020202020204" pitchFamily="34" charset="0"/>
-              <a:buNone/>
-              <a:defRPr sz="1600" kern="1200">
-                <a:solidFill>
-                  <a:schemeClr val="tx1"/>
-                </a:solidFill>
-                <a:latin typeface="+mn-lt"/>
-                <a:ea typeface="+mn-ea"/>
-                <a:cs typeface="+mn-cs"/>
-              </a:defRPr>
-            </a:lvl7pPr>
-            <a:lvl8pPr marL="3200400" indent="0" algn="ctr" defTabSz="914400" rtl="0" eaLnBrk="1" latinLnBrk="0" hangingPunct="1">
-              <a:lnSpc>
-                <a:spcPct val="90000"/>
-              </a:lnSpc>
-              <a:spcBef>
-                <a:spcPts val="500"/>
-              </a:spcBef>
-              <a:buFont typeface="Arial" panose="020B0604020202020204" pitchFamily="34" charset="0"/>
-              <a:buNone/>
-              <a:defRPr sz="1600" kern="1200">
-                <a:solidFill>
-                  <a:schemeClr val="tx1"/>
-                </a:solidFill>
-                <a:latin typeface="+mn-lt"/>
-                <a:ea typeface="+mn-ea"/>
-                <a:cs typeface="+mn-cs"/>
-              </a:defRPr>
-            </a:lvl8pPr>
-            <a:lvl9pPr marL="3657600" indent="0" algn="ctr" defTabSz="914400" rtl="0" eaLnBrk="1" latinLnBrk="0" hangingPunct="1">
-              <a:lnSpc>
-                <a:spcPct val="90000"/>
-              </a:lnSpc>
-              <a:spcBef>
-                <a:spcPts val="500"/>
-              </a:spcBef>
-              <a:buFont typeface="Arial" panose="020B0604020202020204" pitchFamily="34" charset="0"/>
-              <a:buNone/>
-              <a:defRPr sz="1600" kern="1200">
-                <a:solidFill>
-                  <a:schemeClr val="tx1"/>
-                </a:solidFill>
-                <a:latin typeface="+mn-lt"/>
-                <a:ea typeface="+mn-ea"/>
-                <a:cs typeface="+mn-cs"/>
-              </a:defRPr>
-            </a:lvl9pPr>
-          </a:lstStyle>
-          <a:p>
-            <a:r>
-              <a:rPr lang="en-US" smtClean="0"/>
-              <a:t>Predefined Reports for people who need it for their work</a:t>
-            </a:r>
-            <a:endParaRPr lang="en-US" dirty="0"/>
-          </a:p>
-        </p:txBody>
-      </p:sp>
     </p:spTree>
     <p:extLst>
       <p:ext uri="{BB962C8B-B14F-4D97-AF65-F5344CB8AC3E}">
